--- a/Github.pptx
+++ b/Github.pptx
@@ -3881,31 +3881,41 @@
           </a:p>
         </p:txBody>
       </p:sp>
-      <p:sp>
-        <p:nvSpPr>
-          <p:cNvPr id="3" name="Content Placeholder 2">
-            <a:extLst>
-              <a:ext uri="{FF2B5EF4-FFF2-40B4-BE49-F238E27FC236}">
-                <a16:creationId xmlns:a16="http://schemas.microsoft.com/office/drawing/2014/main" id="{BAFFEF20-6EBF-01D4-9831-9316F4EABECE}"/>
-              </a:ext>
-            </a:extLst>
-          </p:cNvPr>
-          <p:cNvSpPr>
-            <a:spLocks noGrp="1"/>
-          </p:cNvSpPr>
+      <p:pic>
+        <p:nvPicPr>
+          <p:cNvPr id="5" name="Content Placeholder 4">
+            <a:extLst>
+              <a:ext uri="{FF2B5EF4-FFF2-40B4-BE49-F238E27FC236}">
+                <a16:creationId xmlns:a16="http://schemas.microsoft.com/office/drawing/2014/main" id="{64F06BFC-E27F-ED04-25F2-8A6A186ADB9F}"/>
+              </a:ext>
+            </a:extLst>
+          </p:cNvPr>
+          <p:cNvPicPr>
+            <a:picLocks noGrp="1" noChangeAspect="1"/>
+          </p:cNvPicPr>
           <p:nvPr>
             <p:ph idx="1"/>
           </p:nvPr>
-        </p:nvSpPr>
-        <p:spPr/>
-        <p:txBody>
-          <a:bodyPr/>
-          <a:lstStyle/>
-          <a:p>
-            <a:endParaRPr lang="en-US" dirty="0"/>
-          </a:p>
-        </p:txBody>
-      </p:sp>
+        </p:nvPicPr>
+        <p:blipFill>
+          <a:blip r:embed="rId2">
+            <a:extLst>
+              <a:ext uri="{28A0092B-C50C-407E-A947-70E740481C1C}">
+                <a14:useLocalDpi xmlns:a14="http://schemas.microsoft.com/office/drawing/2010/main" val="0"/>
+              </a:ext>
+            </a:extLst>
+          </a:blip>
+          <a:stretch>
+            <a:fillRect/>
+          </a:stretch>
+        </p:blipFill>
+        <p:spPr>
+          <a:xfrm>
+            <a:off x="838200" y="1984248"/>
+            <a:ext cx="10515600" cy="2715768"/>
+          </a:xfrm>
+        </p:spPr>
+      </p:pic>
     </p:spTree>
     <p:extLst>
       <p:ext uri="{BB962C8B-B14F-4D97-AF65-F5344CB8AC3E}">
@@ -3963,7 +3973,7 @@
               <a:t>دستور </a:t>
             </a:r>
             <a:r>
-              <a:rPr lang="en-US"/>
+              <a:rPr lang="en-US" dirty="0"/>
               <a:t>marge</a:t>
             </a:r>
           </a:p>
@@ -3990,7 +4000,7 @@
           <a:bodyPr/>
           <a:lstStyle/>
           <a:p>
-            <a:endParaRPr lang="en-US"/>
+            <a:endParaRPr lang="en-US" dirty="0"/>
           </a:p>
         </p:txBody>
       </p:sp>

--- a/Github.pptx
+++ b/Github.pptx
@@ -12,6 +12,9 @@
     <p:sldId id="260" r:id="rId6"/>
     <p:sldId id="261" r:id="rId7"/>
     <p:sldId id="262" r:id="rId8"/>
+    <p:sldId id="263" r:id="rId9"/>
+    <p:sldId id="264" r:id="rId10"/>
+    <p:sldId id="265" r:id="rId11"/>
   </p:sldIdLst>
   <p:sldSz cx="12192000" cy="6858000"/>
   <p:notesSz cx="6858000" cy="9144000"/>
@@ -110,6 +113,11 @@
       </a:defRPr>
     </a:lvl9pPr>
   </p:defaultTextStyle>
+  <p:extLst>
+    <p:ext uri="{EFAFB233-063F-42B5-8137-9DF3F51BA10A}">
+      <p15:sldGuideLst xmlns:p15="http://schemas.microsoft.com/office/powerpoint/2012/main"/>
+    </p:ext>
+  </p:extLst>
 </p:presentation>
 </file>
 
@@ -3413,6 +3421,104 @@
 </p:sld>
 </file>
 
+<file path=ppt/slides/slide10.xml><?xml version="1.0" encoding="utf-8"?>
+<p:sld xmlns:a="http://schemas.openxmlformats.org/drawingml/2006/main" xmlns:r="http://schemas.openxmlformats.org/officeDocument/2006/relationships" xmlns:p="http://schemas.openxmlformats.org/presentationml/2006/main">
+  <p:cSld>
+    <p:spTree>
+      <p:nvGrpSpPr>
+        <p:cNvPr id="1" name=""/>
+        <p:cNvGrpSpPr/>
+        <p:nvPr/>
+      </p:nvGrpSpPr>
+      <p:grpSpPr>
+        <a:xfrm>
+          <a:off x="0" y="0"/>
+          <a:ext cx="0" cy="0"/>
+          <a:chOff x="0" y="0"/>
+          <a:chExt cx="0" cy="0"/>
+        </a:xfrm>
+      </p:grpSpPr>
+      <p:sp>
+        <p:nvSpPr>
+          <p:cNvPr id="2" name="Title 1">
+            <a:extLst>
+              <a:ext uri="{FF2B5EF4-FFF2-40B4-BE49-F238E27FC236}">
+                <a16:creationId xmlns:a16="http://schemas.microsoft.com/office/drawing/2014/main" id="{B9B78600-870C-567B-21BC-8193BFBC6634}"/>
+              </a:ext>
+            </a:extLst>
+          </p:cNvPr>
+          <p:cNvSpPr>
+            <a:spLocks noGrp="1"/>
+          </p:cNvSpPr>
+          <p:nvPr>
+            <p:ph type="title"/>
+          </p:nvPr>
+        </p:nvSpPr>
+        <p:spPr/>
+        <p:txBody>
+          <a:bodyPr/>
+          <a:lstStyle/>
+          <a:p>
+            <a:pPr algn="r" rtl="1"/>
+            <a:r>
+              <a:rPr lang="fa-IR" dirty="0"/>
+              <a:t>دستور </a:t>
+            </a:r>
+            <a:r>
+              <a:rPr lang="en-US" dirty="0"/>
+              <a:t>branch</a:t>
+            </a:r>
+          </a:p>
+        </p:txBody>
+      </p:sp>
+      <p:pic>
+        <p:nvPicPr>
+          <p:cNvPr id="5" name="Content Placeholder 4" descr="A black screen with purple text&#10;&#10;AI-generated content may be incorrect.">
+            <a:extLst>
+              <a:ext uri="{FF2B5EF4-FFF2-40B4-BE49-F238E27FC236}">
+                <a16:creationId xmlns:a16="http://schemas.microsoft.com/office/drawing/2014/main" id="{C3AC923A-AF71-6EC9-13B3-4DF87D519AE9}"/>
+              </a:ext>
+            </a:extLst>
+          </p:cNvPr>
+          <p:cNvPicPr>
+            <a:picLocks noGrp="1" noChangeAspect="1"/>
+          </p:cNvPicPr>
+          <p:nvPr>
+            <p:ph idx="1"/>
+          </p:nvPr>
+        </p:nvPicPr>
+        <p:blipFill>
+          <a:blip r:embed="rId2">
+            <a:extLst>
+              <a:ext uri="{28A0092B-C50C-407E-A947-70E740481C1C}">
+                <a14:useLocalDpi xmlns:a14="http://schemas.microsoft.com/office/drawing/2010/main" val="0"/>
+              </a:ext>
+            </a:extLst>
+          </a:blip>
+          <a:stretch>
+            <a:fillRect/>
+          </a:stretch>
+        </p:blipFill>
+        <p:spPr>
+          <a:xfrm>
+            <a:off x="838200" y="2313432"/>
+            <a:ext cx="10197202" cy="2873890"/>
+          </a:xfrm>
+        </p:spPr>
+      </p:pic>
+    </p:spTree>
+    <p:extLst>
+      <p:ext uri="{BB962C8B-B14F-4D97-AF65-F5344CB8AC3E}">
+        <p14:creationId xmlns:p14="http://schemas.microsoft.com/office/powerpoint/2010/main" val="1476514422"/>
+      </p:ext>
+    </p:extLst>
+  </p:cSld>
+  <p:clrMapOvr>
+    <a:masterClrMapping/>
+  </p:clrMapOvr>
+</p:sld>
+</file>
+
 <file path=ppt/slides/slide2.xml><?xml version="1.0" encoding="utf-8"?>
 <p:sld xmlns:a="http://schemas.openxmlformats.org/drawingml/2006/main" xmlns:r="http://schemas.openxmlformats.org/officeDocument/2006/relationships" xmlns:p="http://schemas.openxmlformats.org/presentationml/2006/main">
   <p:cSld>
@@ -3979,35 +4085,241 @@
           </a:p>
         </p:txBody>
       </p:sp>
-      <p:sp>
-        <p:nvSpPr>
-          <p:cNvPr id="3" name="Content Placeholder 2">
-            <a:extLst>
-              <a:ext uri="{FF2B5EF4-FFF2-40B4-BE49-F238E27FC236}">
-                <a16:creationId xmlns:a16="http://schemas.microsoft.com/office/drawing/2014/main" id="{2BB7A17C-2CE2-19BB-DAA6-DCEED197A5AB}"/>
-              </a:ext>
-            </a:extLst>
-          </p:cNvPr>
-          <p:cNvSpPr>
-            <a:spLocks noGrp="1"/>
-          </p:cNvSpPr>
+      <p:pic>
+        <p:nvPicPr>
+          <p:cNvPr id="5" name="Content Placeholder 4" descr="A screen shot of a computer program&#10;&#10;AI-generated content may be incorrect.">
+            <a:extLst>
+              <a:ext uri="{FF2B5EF4-FFF2-40B4-BE49-F238E27FC236}">
+                <a16:creationId xmlns:a16="http://schemas.microsoft.com/office/drawing/2014/main" id="{38AE7E2E-47C0-F93B-E925-81114D9ABE8C}"/>
+              </a:ext>
+            </a:extLst>
+          </p:cNvPr>
+          <p:cNvPicPr>
+            <a:picLocks noGrp="1" noChangeAspect="1"/>
+          </p:cNvPicPr>
           <p:nvPr>
             <p:ph idx="1"/>
           </p:nvPr>
-        </p:nvSpPr>
-        <p:spPr/>
-        <p:txBody>
-          <a:bodyPr/>
-          <a:lstStyle/>
-          <a:p>
-            <a:endParaRPr lang="en-US" dirty="0"/>
-          </a:p>
-        </p:txBody>
-      </p:sp>
+        </p:nvPicPr>
+        <p:blipFill>
+          <a:blip r:embed="rId2">
+            <a:extLst>
+              <a:ext uri="{28A0092B-C50C-407E-A947-70E740481C1C}">
+                <a14:useLocalDpi xmlns:a14="http://schemas.microsoft.com/office/drawing/2010/main" val="0"/>
+              </a:ext>
+            </a:extLst>
+          </a:blip>
+          <a:stretch>
+            <a:fillRect/>
+          </a:stretch>
+        </p:blipFill>
+        <p:spPr>
+          <a:xfrm>
+            <a:off x="838200" y="1963781"/>
+            <a:ext cx="10515600" cy="4075025"/>
+          </a:xfrm>
+        </p:spPr>
+      </p:pic>
     </p:spTree>
     <p:extLst>
       <p:ext uri="{BB962C8B-B14F-4D97-AF65-F5344CB8AC3E}">
         <p14:creationId xmlns:p14="http://schemas.microsoft.com/office/powerpoint/2010/main" val="3634960468"/>
+      </p:ext>
+    </p:extLst>
+  </p:cSld>
+  <p:clrMapOvr>
+    <a:masterClrMapping/>
+  </p:clrMapOvr>
+</p:sld>
+</file>
+
+<file path=ppt/slides/slide8.xml><?xml version="1.0" encoding="utf-8"?>
+<p:sld xmlns:a="http://schemas.openxmlformats.org/drawingml/2006/main" xmlns:r="http://schemas.openxmlformats.org/officeDocument/2006/relationships" xmlns:p="http://schemas.openxmlformats.org/presentationml/2006/main">
+  <p:cSld>
+    <p:spTree>
+      <p:nvGrpSpPr>
+        <p:cNvPr id="1" name=""/>
+        <p:cNvGrpSpPr/>
+        <p:nvPr/>
+      </p:nvGrpSpPr>
+      <p:grpSpPr>
+        <a:xfrm>
+          <a:off x="0" y="0"/>
+          <a:ext cx="0" cy="0"/>
+          <a:chOff x="0" y="0"/>
+          <a:chExt cx="0" cy="0"/>
+        </a:xfrm>
+      </p:grpSpPr>
+      <p:sp>
+        <p:nvSpPr>
+          <p:cNvPr id="2" name="Title 1">
+            <a:extLst>
+              <a:ext uri="{FF2B5EF4-FFF2-40B4-BE49-F238E27FC236}">
+                <a16:creationId xmlns:a16="http://schemas.microsoft.com/office/drawing/2014/main" id="{DF52BB10-60F1-E862-630A-63684908F2F4}"/>
+              </a:ext>
+            </a:extLst>
+          </p:cNvPr>
+          <p:cNvSpPr>
+            <a:spLocks noGrp="1"/>
+          </p:cNvSpPr>
+          <p:nvPr>
+            <p:ph type="title"/>
+          </p:nvPr>
+        </p:nvSpPr>
+        <p:spPr/>
+        <p:txBody>
+          <a:bodyPr/>
+          <a:lstStyle/>
+          <a:p>
+            <a:pPr algn="just" rtl="1"/>
+            <a:r>
+              <a:rPr lang="fa-IR" dirty="0"/>
+              <a:t>دستور </a:t>
+            </a:r>
+            <a:r>
+              <a:rPr lang="en-US" dirty="0"/>
+              <a:t>log</a:t>
+            </a:r>
+          </a:p>
+        </p:txBody>
+      </p:sp>
+      <p:pic>
+        <p:nvPicPr>
+          <p:cNvPr id="5" name="Content Placeholder 4" descr="A computer screen shot of a computer program&#10;&#10;AI-generated content may be incorrect.">
+            <a:extLst>
+              <a:ext uri="{FF2B5EF4-FFF2-40B4-BE49-F238E27FC236}">
+                <a16:creationId xmlns:a16="http://schemas.microsoft.com/office/drawing/2014/main" id="{E6D2034F-18F3-C205-B3FC-1E3CB12A3CDB}"/>
+              </a:ext>
+            </a:extLst>
+          </p:cNvPr>
+          <p:cNvPicPr>
+            <a:picLocks noGrp="1" noChangeAspect="1"/>
+          </p:cNvPicPr>
+          <p:nvPr>
+            <p:ph idx="1"/>
+          </p:nvPr>
+        </p:nvPicPr>
+        <p:blipFill>
+          <a:blip r:embed="rId2">
+            <a:extLst>
+              <a:ext uri="{28A0092B-C50C-407E-A947-70E740481C1C}">
+                <a14:useLocalDpi xmlns:a14="http://schemas.microsoft.com/office/drawing/2010/main" val="0"/>
+              </a:ext>
+            </a:extLst>
+          </a:blip>
+          <a:stretch>
+            <a:fillRect/>
+          </a:stretch>
+        </p:blipFill>
+        <p:spPr>
+          <a:xfrm>
+            <a:off x="2377440" y="1825625"/>
+            <a:ext cx="6634002" cy="4351338"/>
+          </a:xfrm>
+        </p:spPr>
+      </p:pic>
+    </p:spTree>
+    <p:extLst>
+      <p:ext uri="{BB962C8B-B14F-4D97-AF65-F5344CB8AC3E}">
+        <p14:creationId xmlns:p14="http://schemas.microsoft.com/office/powerpoint/2010/main" val="632474946"/>
+      </p:ext>
+    </p:extLst>
+  </p:cSld>
+  <p:clrMapOvr>
+    <a:masterClrMapping/>
+  </p:clrMapOvr>
+</p:sld>
+</file>
+
+<file path=ppt/slides/slide9.xml><?xml version="1.0" encoding="utf-8"?>
+<p:sld xmlns:a="http://schemas.openxmlformats.org/drawingml/2006/main" xmlns:r="http://schemas.openxmlformats.org/officeDocument/2006/relationships" xmlns:p="http://schemas.openxmlformats.org/presentationml/2006/main">
+  <p:cSld>
+    <p:spTree>
+      <p:nvGrpSpPr>
+        <p:cNvPr id="1" name=""/>
+        <p:cNvGrpSpPr/>
+        <p:nvPr/>
+      </p:nvGrpSpPr>
+      <p:grpSpPr>
+        <a:xfrm>
+          <a:off x="0" y="0"/>
+          <a:ext cx="0" cy="0"/>
+          <a:chOff x="0" y="0"/>
+          <a:chExt cx="0" cy="0"/>
+        </a:xfrm>
+      </p:grpSpPr>
+      <p:sp>
+        <p:nvSpPr>
+          <p:cNvPr id="2" name="Title 1">
+            <a:extLst>
+              <a:ext uri="{FF2B5EF4-FFF2-40B4-BE49-F238E27FC236}">
+                <a16:creationId xmlns:a16="http://schemas.microsoft.com/office/drawing/2014/main" id="{A3BB7740-19FF-ACFD-8FE3-48B016E595A4}"/>
+              </a:ext>
+            </a:extLst>
+          </p:cNvPr>
+          <p:cNvSpPr>
+            <a:spLocks noGrp="1"/>
+          </p:cNvSpPr>
+          <p:nvPr>
+            <p:ph type="title"/>
+          </p:nvPr>
+        </p:nvSpPr>
+        <p:spPr/>
+        <p:txBody>
+          <a:bodyPr/>
+          <a:lstStyle/>
+          <a:p>
+            <a:pPr algn="just" rtl="1"/>
+            <a:r>
+              <a:rPr lang="fa-IR" dirty="0"/>
+              <a:t>دستور </a:t>
+            </a:r>
+            <a:r>
+              <a:rPr lang="en-US" dirty="0"/>
+              <a:t>revert</a:t>
+            </a:r>
+          </a:p>
+        </p:txBody>
+      </p:sp>
+      <p:pic>
+        <p:nvPicPr>
+          <p:cNvPr id="5" name="Content Placeholder 4" descr="A screen shot of a computer program&#10;&#10;AI-generated content may be incorrect.">
+            <a:extLst>
+              <a:ext uri="{FF2B5EF4-FFF2-40B4-BE49-F238E27FC236}">
+                <a16:creationId xmlns:a16="http://schemas.microsoft.com/office/drawing/2014/main" id="{B5C2FEFE-27F1-EB2C-46F8-8BC187329E53}"/>
+              </a:ext>
+            </a:extLst>
+          </p:cNvPr>
+          <p:cNvPicPr>
+            <a:picLocks noGrp="1" noChangeAspect="1"/>
+          </p:cNvPicPr>
+          <p:nvPr>
+            <p:ph idx="1"/>
+          </p:nvPr>
+        </p:nvPicPr>
+        <p:blipFill>
+          <a:blip r:embed="rId2">
+            <a:extLst>
+              <a:ext uri="{28A0092B-C50C-407E-A947-70E740481C1C}">
+                <a14:useLocalDpi xmlns:a14="http://schemas.microsoft.com/office/drawing/2010/main" val="0"/>
+              </a:ext>
+            </a:extLst>
+          </a:blip>
+          <a:stretch>
+            <a:fillRect/>
+          </a:stretch>
+        </p:blipFill>
+        <p:spPr>
+          <a:xfrm>
+            <a:off x="838200" y="1472184"/>
+            <a:ext cx="9886535" cy="4704779"/>
+          </a:xfrm>
+        </p:spPr>
+      </p:pic>
+    </p:spTree>
+    <p:extLst>
+      <p:ext uri="{BB962C8B-B14F-4D97-AF65-F5344CB8AC3E}">
+        <p14:creationId xmlns:p14="http://schemas.microsoft.com/office/powerpoint/2010/main" val="4139429556"/>
       </p:ext>
     </p:extLst>
   </p:cSld>
